--- a/580 - What a Glorious Thing to Be.pptx
+++ b/580 - What a Glorious Thing to Be.pptx
@@ -244,7 +244,7 @@
           <a:p>
             <a:fld id="{32F7251A-AE54-443C-B8FE-5F636E835EBF}" type="datetimeFigureOut">
               <a:rPr lang="en-US" smtClean="0"/>
-              <a:t>4/8/2018</a:t>
+              <a:t>1/12/2020</a:t>
             </a:fld>
             <a:endParaRPr lang="en-US"/>
           </a:p>
@@ -412,7 +412,7 @@
           <a:p>
             <a:fld id="{32F7251A-AE54-443C-B8FE-5F636E835EBF}" type="datetimeFigureOut">
               <a:rPr lang="en-US" smtClean="0"/>
-              <a:t>4/8/2018</a:t>
+              <a:t>1/12/2020</a:t>
             </a:fld>
             <a:endParaRPr lang="en-US"/>
           </a:p>
@@ -590,7 +590,7 @@
           <a:p>
             <a:fld id="{32F7251A-AE54-443C-B8FE-5F636E835EBF}" type="datetimeFigureOut">
               <a:rPr lang="en-US" smtClean="0"/>
-              <a:t>4/8/2018</a:t>
+              <a:t>1/12/2020</a:t>
             </a:fld>
             <a:endParaRPr lang="en-US"/>
           </a:p>
@@ -758,7 +758,7 @@
           <a:p>
             <a:fld id="{32F7251A-AE54-443C-B8FE-5F636E835EBF}" type="datetimeFigureOut">
               <a:rPr lang="en-US" smtClean="0"/>
-              <a:t>4/8/2018</a:t>
+              <a:t>1/12/2020</a:t>
             </a:fld>
             <a:endParaRPr lang="en-US"/>
           </a:p>
@@ -1003,7 +1003,7 @@
           <a:p>
             <a:fld id="{32F7251A-AE54-443C-B8FE-5F636E835EBF}" type="datetimeFigureOut">
               <a:rPr lang="en-US" smtClean="0"/>
-              <a:t>4/8/2018</a:t>
+              <a:t>1/12/2020</a:t>
             </a:fld>
             <a:endParaRPr lang="en-US"/>
           </a:p>
@@ -1232,7 +1232,7 @@
           <a:p>
             <a:fld id="{32F7251A-AE54-443C-B8FE-5F636E835EBF}" type="datetimeFigureOut">
               <a:rPr lang="en-US" smtClean="0"/>
-              <a:t>4/8/2018</a:t>
+              <a:t>1/12/2020</a:t>
             </a:fld>
             <a:endParaRPr lang="en-US"/>
           </a:p>
@@ -1596,7 +1596,7 @@
           <a:p>
             <a:fld id="{32F7251A-AE54-443C-B8FE-5F636E835EBF}" type="datetimeFigureOut">
               <a:rPr lang="en-US" smtClean="0"/>
-              <a:t>4/8/2018</a:t>
+              <a:t>1/12/2020</a:t>
             </a:fld>
             <a:endParaRPr lang="en-US"/>
           </a:p>
@@ -1713,7 +1713,7 @@
           <a:p>
             <a:fld id="{32F7251A-AE54-443C-B8FE-5F636E835EBF}" type="datetimeFigureOut">
               <a:rPr lang="en-US" smtClean="0"/>
-              <a:t>4/8/2018</a:t>
+              <a:t>1/12/2020</a:t>
             </a:fld>
             <a:endParaRPr lang="en-US"/>
           </a:p>
@@ -1808,7 +1808,7 @@
           <a:p>
             <a:fld id="{32F7251A-AE54-443C-B8FE-5F636E835EBF}" type="datetimeFigureOut">
               <a:rPr lang="en-US" smtClean="0"/>
-              <a:t>4/8/2018</a:t>
+              <a:t>1/12/2020</a:t>
             </a:fld>
             <a:endParaRPr lang="en-US"/>
           </a:p>
@@ -2083,7 +2083,7 @@
           <a:p>
             <a:fld id="{32F7251A-AE54-443C-B8FE-5F636E835EBF}" type="datetimeFigureOut">
               <a:rPr lang="en-US" smtClean="0"/>
-              <a:t>4/8/2018</a:t>
+              <a:t>1/12/2020</a:t>
             </a:fld>
             <a:endParaRPr lang="en-US"/>
           </a:p>
@@ -2335,7 +2335,7 @@
           <a:p>
             <a:fld id="{32F7251A-AE54-443C-B8FE-5F636E835EBF}" type="datetimeFigureOut">
               <a:rPr lang="en-US" smtClean="0"/>
-              <a:t>4/8/2018</a:t>
+              <a:t>1/12/2020</a:t>
             </a:fld>
             <a:endParaRPr lang="en-US"/>
           </a:p>
@@ -2402,7 +2402,9 @@
     <p:bg>
       <p:bgPr>
         <a:solidFill>
-          <a:srgbClr val="333333"/>
+          <a:schemeClr val="bg1">
+            <a:lumMod val="10000"/>
+          </a:schemeClr>
         </a:solidFill>
         <a:effectLst/>
       </p:bgPr>
@@ -2549,7 +2551,7 @@
           <a:p>
             <a:fld id="{32F7251A-AE54-443C-B8FE-5F636E835EBF}" type="datetimeFigureOut">
               <a:rPr lang="en-US" smtClean="0"/>
-              <a:t>4/8/2018</a:t>
+              <a:t>1/12/2020</a:t>
             </a:fld>
             <a:endParaRPr lang="en-US"/>
           </a:p>
@@ -3019,8 +3021,8 @@
         </p:nvSpPr>
         <p:spPr>
           <a:xfrm>
-            <a:off x="0" y="5804209"/>
-            <a:ext cx="12192000" cy="830997"/>
+            <a:off x="0" y="5927320"/>
+            <a:ext cx="12192000" cy="584775"/>
           </a:xfrm>
           <a:prstGeom prst="rect">
             <a:avLst/>
@@ -3035,10 +3037,12 @@
           <a:p>
             <a:pPr algn="ctr"/>
             <a:r>
-              <a:rPr lang="en-US" sz="4800" dirty="0">
+              <a:rPr lang="en-US" sz="3200" u="sng" dirty="0">
                 <a:solidFill>
                   <a:schemeClr val="bg1"/>
                 </a:solidFill>
+                <a:latin typeface="Assistant SemiBold" panose="00000700000000000000" pitchFamily="2" charset="-79"/>
+                <a:cs typeface="Assistant SemiBold" panose="00000700000000000000" pitchFamily="2" charset="-79"/>
               </a:rPr>
               <a:t>“What a Glorious Thing to Be”</a:t>
             </a:r>
@@ -3053,8 +3057,8 @@
         </p:nvSpPr>
         <p:spPr>
           <a:xfrm>
-            <a:off x="0" y="248013"/>
-            <a:ext cx="12192000" cy="5078313"/>
+            <a:off x="0" y="651774"/>
+            <a:ext cx="12192000" cy="3970318"/>
           </a:xfrm>
           <a:prstGeom prst="rect">
             <a:avLst/>
@@ -3069,10 +3073,12 @@
           <a:p>
             <a:pPr algn="ctr"/>
             <a:r>
-              <a:rPr lang="en-US" sz="3600" dirty="0">
+              <a:rPr lang="en-US" sz="2800" spc="50" dirty="0">
                 <a:solidFill>
                   <a:schemeClr val="bg1"/>
                 </a:solidFill>
+                <a:latin typeface="Assistant" panose="00000500000000000000" pitchFamily="2" charset="-79"/>
+                <a:cs typeface="Assistant" panose="00000500000000000000" pitchFamily="2" charset="-79"/>
               </a:rPr>
               <a:t>What a glorious thing to be in the light, in the light</a:t>
             </a:r>
@@ -3080,29 +3086,35 @@
           <a:p>
             <a:pPr algn="ctr"/>
             <a:r>
-              <a:rPr lang="en-US" sz="3600" dirty="0">
+              <a:rPr lang="en-US" sz="2800" spc="50" dirty="0">
                 <a:solidFill>
                   <a:schemeClr val="bg1"/>
                 </a:solidFill>
+                <a:latin typeface="Assistant" panose="00000500000000000000" pitchFamily="2" charset="-79"/>
+                <a:cs typeface="Assistant" panose="00000500000000000000" pitchFamily="2" charset="-79"/>
               </a:rPr>
               <a:t>Which the saints of old did see, the true light of God;</a:t>
             </a:r>
           </a:p>
           <a:p>
             <a:pPr algn="ctr"/>
-            <a:endParaRPr lang="en-US" sz="3600" dirty="0">
+            <a:endParaRPr lang="en-US" sz="2800" spc="50" dirty="0">
               <a:solidFill>
                 <a:schemeClr val="bg1"/>
               </a:solidFill>
+              <a:latin typeface="Assistant" panose="00000500000000000000" pitchFamily="2" charset="-79"/>
+              <a:cs typeface="Assistant" panose="00000500000000000000" pitchFamily="2" charset="-79"/>
             </a:endParaRPr>
           </a:p>
           <a:p>
             <a:pPr algn="ctr"/>
             <a:r>
-              <a:rPr lang="en-US" sz="3600" dirty="0">
+              <a:rPr lang="en-US" sz="2800" spc="50" dirty="0">
                 <a:solidFill>
                   <a:schemeClr val="bg1"/>
                 </a:solidFill>
+                <a:latin typeface="Assistant" panose="00000500000000000000" pitchFamily="2" charset="-79"/>
+                <a:cs typeface="Assistant" panose="00000500000000000000" pitchFamily="2" charset="-79"/>
               </a:rPr>
               <a:t>Revelation’s holy light is the light, is the light,</a:t>
             </a:r>
@@ -3110,29 +3122,35 @@
           <a:p>
             <a:pPr algn="ctr"/>
             <a:r>
-              <a:rPr lang="en-US" sz="3600" dirty="0">
+              <a:rPr lang="en-US" sz="2800" spc="50" dirty="0">
                 <a:solidFill>
                   <a:schemeClr val="bg1"/>
                 </a:solidFill>
+                <a:latin typeface="Assistant" panose="00000500000000000000" pitchFamily="2" charset="-79"/>
+                <a:cs typeface="Assistant" panose="00000500000000000000" pitchFamily="2" charset="-79"/>
               </a:rPr>
               <a:t>And all else is dark as night, save this light of God.</a:t>
             </a:r>
           </a:p>
           <a:p>
             <a:pPr algn="ctr"/>
-            <a:endParaRPr lang="en-US" sz="3600" dirty="0">
+            <a:endParaRPr lang="en-US" sz="2800" spc="50" dirty="0">
               <a:solidFill>
                 <a:schemeClr val="bg1"/>
               </a:solidFill>
+              <a:latin typeface="Assistant" panose="00000500000000000000" pitchFamily="2" charset="-79"/>
+              <a:cs typeface="Assistant" panose="00000500000000000000" pitchFamily="2" charset="-79"/>
             </a:endParaRPr>
           </a:p>
           <a:p>
             <a:pPr algn="ctr"/>
             <a:r>
-              <a:rPr lang="en-US" sz="3600" dirty="0">
+              <a:rPr lang="en-US" sz="2800" spc="50" dirty="0">
                 <a:solidFill>
                   <a:schemeClr val="bg1"/>
                 </a:solidFill>
+                <a:latin typeface="Assistant" panose="00000500000000000000" pitchFamily="2" charset="-79"/>
+                <a:cs typeface="Assistant" panose="00000500000000000000" pitchFamily="2" charset="-79"/>
               </a:rPr>
               <a:t>Let us walk in the light (in the light, in the light),</a:t>
             </a:r>
@@ -3140,10 +3158,12 @@
           <a:p>
             <a:pPr algn="ctr"/>
             <a:r>
-              <a:rPr lang="en-US" sz="3600" dirty="0">
+              <a:rPr lang="en-US" sz="2800" spc="50" dirty="0">
                 <a:solidFill>
                   <a:schemeClr val="bg1"/>
                 </a:solidFill>
+                <a:latin typeface="Assistant" panose="00000500000000000000" pitchFamily="2" charset="-79"/>
+                <a:cs typeface="Assistant" panose="00000500000000000000" pitchFamily="2" charset="-79"/>
               </a:rPr>
               <a:t>Let us walk in the light, </a:t>
             </a:r>
@@ -3151,10 +3171,12 @@
           <a:p>
             <a:pPr algn="ctr"/>
             <a:r>
-              <a:rPr lang="en-US" sz="3600" dirty="0">
+              <a:rPr lang="en-US" sz="2800" spc="50" dirty="0">
                 <a:solidFill>
                   <a:schemeClr val="bg1"/>
                 </a:solidFill>
+                <a:latin typeface="Assistant" panose="00000500000000000000" pitchFamily="2" charset="-79"/>
+                <a:cs typeface="Assistant" panose="00000500000000000000" pitchFamily="2" charset="-79"/>
               </a:rPr>
               <a:t>In the light of God.</a:t>
             </a:r>
@@ -3256,8 +3278,8 @@
         </p:nvSpPr>
         <p:spPr>
           <a:xfrm>
-            <a:off x="0" y="5804209"/>
-            <a:ext cx="12192000" cy="830997"/>
+            <a:off x="0" y="5858710"/>
+            <a:ext cx="12192000" cy="584775"/>
           </a:xfrm>
           <a:prstGeom prst="rect">
             <a:avLst/>
@@ -3272,10 +3294,12 @@
           <a:p>
             <a:pPr algn="ctr"/>
             <a:r>
-              <a:rPr lang="en-US" sz="4800" dirty="0">
+              <a:rPr lang="en-US" sz="3200" u="sng" dirty="0">
                 <a:solidFill>
                   <a:schemeClr val="bg1"/>
                 </a:solidFill>
+                <a:latin typeface="Assistant SemiBold" panose="00000700000000000000" pitchFamily="2" charset="-79"/>
+                <a:cs typeface="Assistant SemiBold" panose="00000700000000000000" pitchFamily="2" charset="-79"/>
               </a:rPr>
               <a:t>“What a Glorious Thing to Be”</a:t>
             </a:r>
@@ -3290,8 +3314,8 @@
         </p:nvSpPr>
         <p:spPr>
           <a:xfrm>
-            <a:off x="0" y="248013"/>
-            <a:ext cx="12192000" cy="5078313"/>
+            <a:off x="0" y="791126"/>
+            <a:ext cx="12192000" cy="3970318"/>
           </a:xfrm>
           <a:prstGeom prst="rect">
             <a:avLst/>
@@ -3306,10 +3330,12 @@
           <a:p>
             <a:pPr algn="ctr"/>
             <a:r>
-              <a:rPr lang="en-US" sz="3600" dirty="0">
+              <a:rPr lang="en-US" sz="2800" spc="50" dirty="0">
                 <a:solidFill>
                   <a:schemeClr val="bg1"/>
                 </a:solidFill>
+                <a:latin typeface="Assistant" panose="00000500000000000000" pitchFamily="2" charset="-79"/>
+                <a:cs typeface="Assistant" panose="00000500000000000000" pitchFamily="2" charset="-79"/>
               </a:rPr>
               <a:t>Long the earth in darkness lay, without light, without light,</a:t>
             </a:r>
@@ -3317,29 +3343,35 @@
           <a:p>
             <a:pPr algn="ctr"/>
             <a:r>
-              <a:rPr lang="en-US" sz="3600" dirty="0">
+              <a:rPr lang="en-US" sz="2800" spc="50" dirty="0">
                 <a:solidFill>
                   <a:schemeClr val="bg1"/>
                 </a:solidFill>
+                <a:latin typeface="Assistant" panose="00000500000000000000" pitchFamily="2" charset="-79"/>
+                <a:cs typeface="Assistant" panose="00000500000000000000" pitchFamily="2" charset="-79"/>
               </a:rPr>
               <a:t>But the darkness fled away before the light of God.</a:t>
             </a:r>
           </a:p>
           <a:p>
             <a:pPr algn="ctr"/>
-            <a:endParaRPr lang="en-US" sz="3600" dirty="0">
+            <a:endParaRPr lang="en-US" sz="2800" spc="50" dirty="0">
               <a:solidFill>
                 <a:schemeClr val="bg1"/>
               </a:solidFill>
+              <a:latin typeface="Assistant" panose="00000500000000000000" pitchFamily="2" charset="-79"/>
+              <a:cs typeface="Assistant" panose="00000500000000000000" pitchFamily="2" charset="-79"/>
             </a:endParaRPr>
           </a:p>
           <a:p>
             <a:pPr algn="ctr"/>
             <a:r>
-              <a:rPr lang="en-US" sz="3600" dirty="0">
+              <a:rPr lang="en-US" sz="2800" spc="50" dirty="0">
                 <a:solidFill>
                   <a:schemeClr val="bg1"/>
                 </a:solidFill>
+                <a:latin typeface="Assistant" panose="00000500000000000000" pitchFamily="2" charset="-79"/>
+                <a:cs typeface="Assistant" panose="00000500000000000000" pitchFamily="2" charset="-79"/>
               </a:rPr>
               <a:t>God has spoken from on high this, the light, this the light,</a:t>
             </a:r>
@@ -3347,29 +3379,35 @@
           <a:p>
             <a:pPr algn="ctr"/>
             <a:r>
-              <a:rPr lang="en-US" sz="3600" dirty="0">
+              <a:rPr lang="en-US" sz="2800" spc="50" dirty="0">
                 <a:solidFill>
                   <a:schemeClr val="bg1"/>
                 </a:solidFill>
+                <a:latin typeface="Assistant" panose="00000500000000000000" pitchFamily="2" charset="-79"/>
+                <a:cs typeface="Assistant" panose="00000500000000000000" pitchFamily="2" charset="-79"/>
               </a:rPr>
               <a:t>And now bids the world come nigh to the light of God.</a:t>
             </a:r>
           </a:p>
           <a:p>
             <a:pPr algn="ctr"/>
-            <a:endParaRPr lang="en-US" sz="3600" dirty="0">
+            <a:endParaRPr lang="en-US" sz="2800" spc="50" dirty="0">
               <a:solidFill>
                 <a:schemeClr val="bg1"/>
               </a:solidFill>
+              <a:latin typeface="Assistant" panose="00000500000000000000" pitchFamily="2" charset="-79"/>
+              <a:cs typeface="Assistant" panose="00000500000000000000" pitchFamily="2" charset="-79"/>
             </a:endParaRPr>
           </a:p>
           <a:p>
             <a:pPr algn="ctr"/>
             <a:r>
-              <a:rPr lang="en-US" sz="3600" dirty="0">
+              <a:rPr lang="en-US" sz="2800" spc="50" dirty="0">
                 <a:solidFill>
                   <a:schemeClr val="bg1"/>
                 </a:solidFill>
+                <a:latin typeface="Assistant" panose="00000500000000000000" pitchFamily="2" charset="-79"/>
+                <a:cs typeface="Assistant" panose="00000500000000000000" pitchFamily="2" charset="-79"/>
               </a:rPr>
               <a:t>Let us walk in the light (in the light, in the light),</a:t>
             </a:r>
@@ -3377,10 +3415,12 @@
           <a:p>
             <a:pPr algn="ctr"/>
             <a:r>
-              <a:rPr lang="en-US" sz="3600" dirty="0">
+              <a:rPr lang="en-US" sz="2800" spc="50" dirty="0">
                 <a:solidFill>
                   <a:schemeClr val="bg1"/>
                 </a:solidFill>
+                <a:latin typeface="Assistant" panose="00000500000000000000" pitchFamily="2" charset="-79"/>
+                <a:cs typeface="Assistant" panose="00000500000000000000" pitchFamily="2" charset="-79"/>
               </a:rPr>
               <a:t>Let us walk in the light, </a:t>
             </a:r>
@@ -3388,10 +3428,12 @@
           <a:p>
             <a:pPr algn="ctr"/>
             <a:r>
-              <a:rPr lang="en-US" sz="3600" dirty="0">
+              <a:rPr lang="en-US" sz="2800" spc="50" dirty="0">
                 <a:solidFill>
                   <a:schemeClr val="bg1"/>
                 </a:solidFill>
+                <a:latin typeface="Assistant" panose="00000500000000000000" pitchFamily="2" charset="-79"/>
+                <a:cs typeface="Assistant" panose="00000500000000000000" pitchFamily="2" charset="-79"/>
               </a:rPr>
               <a:t>In the light of God.</a:t>
             </a:r>
@@ -3493,8 +3535,8 @@
         </p:nvSpPr>
         <p:spPr>
           <a:xfrm>
-            <a:off x="0" y="5804209"/>
-            <a:ext cx="12192000" cy="830997"/>
+            <a:off x="0" y="5927320"/>
+            <a:ext cx="12192000" cy="584775"/>
           </a:xfrm>
           <a:prstGeom prst="rect">
             <a:avLst/>
@@ -3509,10 +3551,12 @@
           <a:p>
             <a:pPr algn="ctr"/>
             <a:r>
-              <a:rPr lang="en-US" sz="4800" dirty="0">
+              <a:rPr lang="en-US" sz="3200" u="sng" dirty="0">
                 <a:solidFill>
                   <a:schemeClr val="bg1"/>
                 </a:solidFill>
+                <a:latin typeface="Assistant SemiBold" panose="00000700000000000000" pitchFamily="2" charset="-79"/>
+                <a:cs typeface="Assistant SemiBold" panose="00000700000000000000" pitchFamily="2" charset="-79"/>
               </a:rPr>
               <a:t>“What a Glorious Thing to Be”</a:t>
             </a:r>
@@ -3527,8 +3571,8 @@
         </p:nvSpPr>
         <p:spPr>
           <a:xfrm>
-            <a:off x="0" y="248013"/>
-            <a:ext cx="12192000" cy="5078313"/>
+            <a:off x="0" y="791126"/>
+            <a:ext cx="12192000" cy="3970318"/>
           </a:xfrm>
           <a:prstGeom prst="rect">
             <a:avLst/>
@@ -3543,10 +3587,12 @@
           <a:p>
             <a:pPr algn="ctr"/>
             <a:r>
-              <a:rPr lang="en-US" sz="3600" dirty="0">
+              <a:rPr lang="en-US" sz="2800" spc="50" dirty="0">
                 <a:solidFill>
                   <a:schemeClr val="bg1"/>
                 </a:solidFill>
+                <a:latin typeface="Assistant" panose="00000500000000000000" pitchFamily="2" charset="-79"/>
+                <a:cs typeface="Assistant" panose="00000500000000000000" pitchFamily="2" charset="-79"/>
               </a:rPr>
               <a:t>Prophets are restored again, in the light, in the light,</a:t>
             </a:r>
@@ -3554,29 +3600,35 @@
           <a:p>
             <a:pPr algn="ctr"/>
             <a:r>
-              <a:rPr lang="en-US" sz="3600" dirty="0">
+              <a:rPr lang="en-US" sz="2800" spc="50" dirty="0">
                 <a:solidFill>
                   <a:schemeClr val="bg1"/>
                 </a:solidFill>
+                <a:latin typeface="Assistant" panose="00000500000000000000" pitchFamily="2" charset="-79"/>
+                <a:cs typeface="Assistant" panose="00000500000000000000" pitchFamily="2" charset="-79"/>
               </a:rPr>
               <a:t>And the gospel gifts to men, in the light of God;</a:t>
             </a:r>
           </a:p>
           <a:p>
             <a:pPr algn="ctr"/>
-            <a:endParaRPr lang="en-US" sz="3600" dirty="0">
+            <a:endParaRPr lang="en-US" sz="2800" spc="50" dirty="0">
               <a:solidFill>
                 <a:schemeClr val="bg1"/>
               </a:solidFill>
+              <a:latin typeface="Assistant" panose="00000500000000000000" pitchFamily="2" charset="-79"/>
+              <a:cs typeface="Assistant" panose="00000500000000000000" pitchFamily="2" charset="-79"/>
             </a:endParaRPr>
           </a:p>
           <a:p>
             <a:pPr algn="ctr"/>
             <a:r>
-              <a:rPr lang="en-US" sz="3600" dirty="0">
+              <a:rPr lang="en-US" sz="2800" spc="50" dirty="0">
                 <a:solidFill>
                   <a:schemeClr val="bg1"/>
                 </a:solidFill>
+                <a:latin typeface="Assistant" panose="00000500000000000000" pitchFamily="2" charset="-79"/>
+                <a:cs typeface="Assistant" panose="00000500000000000000" pitchFamily="2" charset="-79"/>
               </a:rPr>
               <a:t>Blessings to the ancients given, in the light, in the light,</a:t>
             </a:r>
@@ -3584,29 +3636,35 @@
           <a:p>
             <a:pPr algn="ctr"/>
             <a:r>
-              <a:rPr lang="en-US" sz="3600" dirty="0">
+              <a:rPr lang="en-US" sz="2800" spc="50" dirty="0">
                 <a:solidFill>
                   <a:schemeClr val="bg1"/>
                 </a:solidFill>
+                <a:latin typeface="Assistant" panose="00000500000000000000" pitchFamily="2" charset="-79"/>
+                <a:cs typeface="Assistant" panose="00000500000000000000" pitchFamily="2" charset="-79"/>
               </a:rPr>
               <a:t>Are again received from heaven, in the light of God.</a:t>
             </a:r>
           </a:p>
           <a:p>
             <a:pPr algn="ctr"/>
-            <a:endParaRPr lang="en-US" sz="3600" dirty="0">
+            <a:endParaRPr lang="en-US" sz="2800" spc="50" dirty="0">
               <a:solidFill>
                 <a:schemeClr val="bg1"/>
               </a:solidFill>
+              <a:latin typeface="Assistant" panose="00000500000000000000" pitchFamily="2" charset="-79"/>
+              <a:cs typeface="Assistant" panose="00000500000000000000" pitchFamily="2" charset="-79"/>
             </a:endParaRPr>
           </a:p>
           <a:p>
             <a:pPr algn="ctr"/>
             <a:r>
-              <a:rPr lang="en-US" sz="3600" dirty="0">
+              <a:rPr lang="en-US" sz="2800" spc="50" dirty="0">
                 <a:solidFill>
                   <a:schemeClr val="bg1"/>
                 </a:solidFill>
+                <a:latin typeface="Assistant" panose="00000500000000000000" pitchFamily="2" charset="-79"/>
+                <a:cs typeface="Assistant" panose="00000500000000000000" pitchFamily="2" charset="-79"/>
               </a:rPr>
               <a:t>Let us walk in the light (in the light, in the light),</a:t>
             </a:r>
@@ -3614,10 +3672,12 @@
           <a:p>
             <a:pPr algn="ctr"/>
             <a:r>
-              <a:rPr lang="en-US" sz="3600" dirty="0">
+              <a:rPr lang="en-US" sz="2800" spc="50" dirty="0">
                 <a:solidFill>
                   <a:schemeClr val="bg1"/>
                 </a:solidFill>
+                <a:latin typeface="Assistant" panose="00000500000000000000" pitchFamily="2" charset="-79"/>
+                <a:cs typeface="Assistant" panose="00000500000000000000" pitchFamily="2" charset="-79"/>
               </a:rPr>
               <a:t>Let us walk in the light, </a:t>
             </a:r>
@@ -3625,10 +3685,12 @@
           <a:p>
             <a:pPr algn="ctr"/>
             <a:r>
-              <a:rPr lang="en-US" sz="3600" dirty="0">
+              <a:rPr lang="en-US" sz="2800" spc="50" dirty="0">
                 <a:solidFill>
                   <a:schemeClr val="bg1"/>
                 </a:solidFill>
+                <a:latin typeface="Assistant" panose="00000500000000000000" pitchFamily="2" charset="-79"/>
+                <a:cs typeface="Assistant" panose="00000500000000000000" pitchFamily="2" charset="-79"/>
               </a:rPr>
               <a:t>In the light of God.</a:t>
             </a:r>
@@ -3730,8 +3792,8 @@
         </p:nvSpPr>
         <p:spPr>
           <a:xfrm>
-            <a:off x="0" y="5804209"/>
-            <a:ext cx="12192000" cy="830997"/>
+            <a:off x="0" y="5927320"/>
+            <a:ext cx="12192000" cy="584775"/>
           </a:xfrm>
           <a:prstGeom prst="rect">
             <a:avLst/>
@@ -3746,10 +3808,12 @@
           <a:p>
             <a:pPr algn="ctr"/>
             <a:r>
-              <a:rPr lang="en-US" sz="4800" dirty="0">
+              <a:rPr lang="en-US" sz="3200" u="sng" dirty="0">
                 <a:solidFill>
                   <a:schemeClr val="bg1"/>
                 </a:solidFill>
+                <a:latin typeface="Assistant SemiBold" panose="00000700000000000000" pitchFamily="2" charset="-79"/>
+                <a:cs typeface="Assistant SemiBold" panose="00000700000000000000" pitchFamily="2" charset="-79"/>
               </a:rPr>
               <a:t>“What a Glorious Thing to Be”</a:t>
             </a:r>
@@ -3764,8 +3828,8 @@
         </p:nvSpPr>
         <p:spPr>
           <a:xfrm>
-            <a:off x="0" y="248013"/>
-            <a:ext cx="12192000" cy="5078313"/>
+            <a:off x="0" y="791126"/>
+            <a:ext cx="12192000" cy="3970318"/>
           </a:xfrm>
           <a:prstGeom prst="rect">
             <a:avLst/>
@@ -3780,10 +3844,12 @@
           <a:p>
             <a:pPr algn="ctr"/>
             <a:r>
-              <a:rPr lang="en-US" sz="3600" dirty="0">
+              <a:rPr lang="en-US" sz="2800" spc="50" dirty="0">
                 <a:solidFill>
                   <a:schemeClr val="bg1"/>
                 </a:solidFill>
+                <a:latin typeface="Assistant" panose="00000500000000000000" pitchFamily="2" charset="-79"/>
+                <a:cs typeface="Assistant" panose="00000500000000000000" pitchFamily="2" charset="-79"/>
               </a:rPr>
               <a:t>Let us keep our spirits pure, in the light, in the light,</a:t>
             </a:r>
@@ -3791,29 +3857,35 @@
           <a:p>
             <a:pPr algn="ctr"/>
             <a:r>
-              <a:rPr lang="en-US" sz="3600" dirty="0">
+              <a:rPr lang="en-US" sz="2800" spc="50" dirty="0">
                 <a:solidFill>
                   <a:schemeClr val="bg1"/>
                 </a:solidFill>
+                <a:latin typeface="Assistant" panose="00000500000000000000" pitchFamily="2" charset="-79"/>
+                <a:cs typeface="Assistant" panose="00000500000000000000" pitchFamily="2" charset="-79"/>
               </a:rPr>
               <a:t>And unto the end endure in the light of God;</a:t>
             </a:r>
           </a:p>
           <a:p>
             <a:pPr algn="ctr"/>
-            <a:endParaRPr lang="en-US" sz="3600" dirty="0">
+            <a:endParaRPr lang="en-US" sz="2800" spc="50" dirty="0">
               <a:solidFill>
                 <a:schemeClr val="bg1"/>
               </a:solidFill>
+              <a:latin typeface="Assistant" panose="00000500000000000000" pitchFamily="2" charset="-79"/>
+              <a:cs typeface="Assistant" panose="00000500000000000000" pitchFamily="2" charset="-79"/>
             </a:endParaRPr>
           </a:p>
           <a:p>
             <a:pPr algn="ctr"/>
             <a:r>
-              <a:rPr lang="en-US" sz="3600" dirty="0">
+              <a:rPr lang="en-US" sz="2800" spc="50" dirty="0">
                 <a:solidFill>
                   <a:schemeClr val="bg1"/>
                 </a:solidFill>
+                <a:latin typeface="Assistant" panose="00000500000000000000" pitchFamily="2" charset="-79"/>
+                <a:cs typeface="Assistant" panose="00000500000000000000" pitchFamily="2" charset="-79"/>
               </a:rPr>
               <a:t>Then when Jesus comes again, in the light, in the light,</a:t>
             </a:r>
@@ -3821,42 +3893,35 @@
           <a:p>
             <a:pPr algn="ctr"/>
             <a:r>
-              <a:rPr lang="en-US" sz="3600" dirty="0">
+              <a:rPr lang="en-US" sz="2800" spc="50" dirty="0">
                 <a:solidFill>
                   <a:schemeClr val="bg1"/>
                 </a:solidFill>
+                <a:latin typeface="Assistant" panose="00000500000000000000" pitchFamily="2" charset="-79"/>
+                <a:cs typeface="Assistant" panose="00000500000000000000" pitchFamily="2" charset="-79"/>
               </a:rPr>
-              <a:t>We shall live and with Him reign, in </a:t>
-            </a:r>
-            <a:r>
-              <a:rPr lang="en-US" sz="3600">
-                <a:solidFill>
-                  <a:schemeClr val="bg1"/>
-                </a:solidFill>
-              </a:rPr>
-              <a:t>the light of God.</a:t>
-            </a:r>
-            <a:endParaRPr lang="en-US" sz="3600" dirty="0">
+              <a:t>We shall live and with Him reign, in the light of God.</a:t>
+            </a:r>
+          </a:p>
+          <a:p>
+            <a:pPr algn="ctr"/>
+            <a:endParaRPr lang="en-US" sz="2800" spc="50" dirty="0">
               <a:solidFill>
                 <a:schemeClr val="bg1"/>
               </a:solidFill>
+              <a:latin typeface="Assistant" panose="00000500000000000000" pitchFamily="2" charset="-79"/>
+              <a:cs typeface="Assistant" panose="00000500000000000000" pitchFamily="2" charset="-79"/>
             </a:endParaRPr>
           </a:p>
           <a:p>
             <a:pPr algn="ctr"/>
-            <a:endParaRPr lang="en-US" sz="3600" dirty="0">
-              <a:solidFill>
-                <a:schemeClr val="bg1"/>
-              </a:solidFill>
-            </a:endParaRPr>
-          </a:p>
-          <a:p>
-            <a:pPr algn="ctr"/>
-            <a:r>
-              <a:rPr lang="en-US" sz="3600" dirty="0">
+            <a:r>
+              <a:rPr lang="en-US" sz="2800" spc="50" dirty="0">
                 <a:solidFill>
                   <a:schemeClr val="bg1"/>
                 </a:solidFill>
+                <a:latin typeface="Assistant" panose="00000500000000000000" pitchFamily="2" charset="-79"/>
+                <a:cs typeface="Assistant" panose="00000500000000000000" pitchFamily="2" charset="-79"/>
               </a:rPr>
               <a:t>Let us walk in the light (in the light, in the light),</a:t>
             </a:r>
@@ -3864,10 +3929,12 @@
           <a:p>
             <a:pPr algn="ctr"/>
             <a:r>
-              <a:rPr lang="en-US" sz="3600" dirty="0">
+              <a:rPr lang="en-US" sz="2800" spc="50" dirty="0">
                 <a:solidFill>
                   <a:schemeClr val="bg1"/>
                 </a:solidFill>
+                <a:latin typeface="Assistant" panose="00000500000000000000" pitchFamily="2" charset="-79"/>
+                <a:cs typeface="Assistant" panose="00000500000000000000" pitchFamily="2" charset="-79"/>
               </a:rPr>
               <a:t>Let us walk in the light, </a:t>
             </a:r>
@@ -3875,10 +3942,12 @@
           <a:p>
             <a:pPr algn="ctr"/>
             <a:r>
-              <a:rPr lang="en-US" sz="3600" dirty="0">
+              <a:rPr lang="en-US" sz="2800" spc="50" dirty="0">
                 <a:solidFill>
                   <a:schemeClr val="bg1"/>
                 </a:solidFill>
+                <a:latin typeface="Assistant" panose="00000500000000000000" pitchFamily="2" charset="-79"/>
+                <a:cs typeface="Assistant" panose="00000500000000000000" pitchFamily="2" charset="-79"/>
               </a:rPr>
               <a:t>In the light of God.</a:t>
             </a:r>

--- a/580 - What a Glorious Thing to Be.pptx
+++ b/580 - What a Glorious Thing to Be.pptx
@@ -244,7 +244,7 @@
           <a:p>
             <a:fld id="{32F7251A-AE54-443C-B8FE-5F636E835EBF}" type="datetimeFigureOut">
               <a:rPr lang="en-US" smtClean="0"/>
-              <a:t>1/12/2020</a:t>
+              <a:t>4/19/2020</a:t>
             </a:fld>
             <a:endParaRPr lang="en-US"/>
           </a:p>
@@ -412,7 +412,7 @@
           <a:p>
             <a:fld id="{32F7251A-AE54-443C-B8FE-5F636E835EBF}" type="datetimeFigureOut">
               <a:rPr lang="en-US" smtClean="0"/>
-              <a:t>1/12/2020</a:t>
+              <a:t>4/19/2020</a:t>
             </a:fld>
             <a:endParaRPr lang="en-US"/>
           </a:p>
@@ -590,7 +590,7 @@
           <a:p>
             <a:fld id="{32F7251A-AE54-443C-B8FE-5F636E835EBF}" type="datetimeFigureOut">
               <a:rPr lang="en-US" smtClean="0"/>
-              <a:t>1/12/2020</a:t>
+              <a:t>4/19/2020</a:t>
             </a:fld>
             <a:endParaRPr lang="en-US"/>
           </a:p>
@@ -758,7 +758,7 @@
           <a:p>
             <a:fld id="{32F7251A-AE54-443C-B8FE-5F636E835EBF}" type="datetimeFigureOut">
               <a:rPr lang="en-US" smtClean="0"/>
-              <a:t>1/12/2020</a:t>
+              <a:t>4/19/2020</a:t>
             </a:fld>
             <a:endParaRPr lang="en-US"/>
           </a:p>
@@ -1003,7 +1003,7 @@
           <a:p>
             <a:fld id="{32F7251A-AE54-443C-B8FE-5F636E835EBF}" type="datetimeFigureOut">
               <a:rPr lang="en-US" smtClean="0"/>
-              <a:t>1/12/2020</a:t>
+              <a:t>4/19/2020</a:t>
             </a:fld>
             <a:endParaRPr lang="en-US"/>
           </a:p>
@@ -1232,7 +1232,7 @@
           <a:p>
             <a:fld id="{32F7251A-AE54-443C-B8FE-5F636E835EBF}" type="datetimeFigureOut">
               <a:rPr lang="en-US" smtClean="0"/>
-              <a:t>1/12/2020</a:t>
+              <a:t>4/19/2020</a:t>
             </a:fld>
             <a:endParaRPr lang="en-US"/>
           </a:p>
@@ -1596,7 +1596,7 @@
           <a:p>
             <a:fld id="{32F7251A-AE54-443C-B8FE-5F636E835EBF}" type="datetimeFigureOut">
               <a:rPr lang="en-US" smtClean="0"/>
-              <a:t>1/12/2020</a:t>
+              <a:t>4/19/2020</a:t>
             </a:fld>
             <a:endParaRPr lang="en-US"/>
           </a:p>
@@ -1713,7 +1713,7 @@
           <a:p>
             <a:fld id="{32F7251A-AE54-443C-B8FE-5F636E835EBF}" type="datetimeFigureOut">
               <a:rPr lang="en-US" smtClean="0"/>
-              <a:t>1/12/2020</a:t>
+              <a:t>4/19/2020</a:t>
             </a:fld>
             <a:endParaRPr lang="en-US"/>
           </a:p>
@@ -1808,7 +1808,7 @@
           <a:p>
             <a:fld id="{32F7251A-AE54-443C-B8FE-5F636E835EBF}" type="datetimeFigureOut">
               <a:rPr lang="en-US" smtClean="0"/>
-              <a:t>1/12/2020</a:t>
+              <a:t>4/19/2020</a:t>
             </a:fld>
             <a:endParaRPr lang="en-US"/>
           </a:p>
@@ -2083,7 +2083,7 @@
           <a:p>
             <a:fld id="{32F7251A-AE54-443C-B8FE-5F636E835EBF}" type="datetimeFigureOut">
               <a:rPr lang="en-US" smtClean="0"/>
-              <a:t>1/12/2020</a:t>
+              <a:t>4/19/2020</a:t>
             </a:fld>
             <a:endParaRPr lang="en-US"/>
           </a:p>
@@ -2335,7 +2335,7 @@
           <a:p>
             <a:fld id="{32F7251A-AE54-443C-B8FE-5F636E835EBF}" type="datetimeFigureOut">
               <a:rPr lang="en-US" smtClean="0"/>
-              <a:t>1/12/2020</a:t>
+              <a:t>4/19/2020</a:t>
             </a:fld>
             <a:endParaRPr lang="en-US"/>
           </a:p>
@@ -2551,7 +2551,7 @@
           <a:p>
             <a:fld id="{32F7251A-AE54-443C-B8FE-5F636E835EBF}" type="datetimeFigureOut">
               <a:rPr lang="en-US" smtClean="0"/>
-              <a:t>1/12/2020</a:t>
+              <a:t>4/19/2020</a:t>
             </a:fld>
             <a:endParaRPr lang="en-US"/>
           </a:p>
